--- a/docs/songs/this i believe.pptx
+++ b/docs/songs/this i believe.pptx
@@ -313,7 +313,7 @@
             <a:fld id="{26EA1CF3-4A15-4CBF-9A5A-6A56C368BE71}" type="datetimeFigureOut">
               <a:rPr lang="en-GB" smtClean="0"/>
               <a:pPr/>
-              <a:t>03/10/2022</a:t>
+              <a:t>17/02/2025</a:t>
             </a:fld>
             <a:endParaRPr lang="en-GB"/>
           </a:p>
@@ -480,7 +480,7 @@
             <a:fld id="{26EA1CF3-4A15-4CBF-9A5A-6A56C368BE71}" type="datetimeFigureOut">
               <a:rPr lang="en-GB" smtClean="0"/>
               <a:pPr/>
-              <a:t>03/10/2022</a:t>
+              <a:t>17/02/2025</a:t>
             </a:fld>
             <a:endParaRPr lang="en-GB"/>
           </a:p>
@@ -657,7 +657,7 @@
             <a:fld id="{26EA1CF3-4A15-4CBF-9A5A-6A56C368BE71}" type="datetimeFigureOut">
               <a:rPr lang="en-GB" smtClean="0"/>
               <a:pPr/>
-              <a:t>03/10/2022</a:t>
+              <a:t>17/02/2025</a:t>
             </a:fld>
             <a:endParaRPr lang="en-GB"/>
           </a:p>
@@ -824,7 +824,7 @@
             <a:fld id="{26EA1CF3-4A15-4CBF-9A5A-6A56C368BE71}" type="datetimeFigureOut">
               <a:rPr lang="en-GB" smtClean="0"/>
               <a:pPr/>
-              <a:t>03/10/2022</a:t>
+              <a:t>17/02/2025</a:t>
             </a:fld>
             <a:endParaRPr lang="en-GB"/>
           </a:p>
@@ -1067,7 +1067,7 @@
             <a:fld id="{26EA1CF3-4A15-4CBF-9A5A-6A56C368BE71}" type="datetimeFigureOut">
               <a:rPr lang="en-GB" smtClean="0"/>
               <a:pPr/>
-              <a:t>03/10/2022</a:t>
+              <a:t>17/02/2025</a:t>
             </a:fld>
             <a:endParaRPr lang="en-GB"/>
           </a:p>
@@ -1352,7 +1352,7 @@
             <a:fld id="{26EA1CF3-4A15-4CBF-9A5A-6A56C368BE71}" type="datetimeFigureOut">
               <a:rPr lang="en-GB" smtClean="0"/>
               <a:pPr/>
-              <a:t>03/10/2022</a:t>
+              <a:t>17/02/2025</a:t>
             </a:fld>
             <a:endParaRPr lang="en-GB"/>
           </a:p>
@@ -1771,7 +1771,7 @@
             <a:fld id="{26EA1CF3-4A15-4CBF-9A5A-6A56C368BE71}" type="datetimeFigureOut">
               <a:rPr lang="en-GB" smtClean="0"/>
               <a:pPr/>
-              <a:t>03/10/2022</a:t>
+              <a:t>17/02/2025</a:t>
             </a:fld>
             <a:endParaRPr lang="en-GB"/>
           </a:p>
@@ -1886,7 +1886,7 @@
             <a:fld id="{26EA1CF3-4A15-4CBF-9A5A-6A56C368BE71}" type="datetimeFigureOut">
               <a:rPr lang="en-GB" smtClean="0"/>
               <a:pPr/>
-              <a:t>03/10/2022</a:t>
+              <a:t>17/02/2025</a:t>
             </a:fld>
             <a:endParaRPr lang="en-GB"/>
           </a:p>
@@ -1978,7 +1978,7 @@
             <a:fld id="{26EA1CF3-4A15-4CBF-9A5A-6A56C368BE71}" type="datetimeFigureOut">
               <a:rPr lang="en-GB" smtClean="0"/>
               <a:pPr/>
-              <a:t>03/10/2022</a:t>
+              <a:t>17/02/2025</a:t>
             </a:fld>
             <a:endParaRPr lang="en-GB"/>
           </a:p>
@@ -2252,7 +2252,7 @@
             <a:fld id="{26EA1CF3-4A15-4CBF-9A5A-6A56C368BE71}" type="datetimeFigureOut">
               <a:rPr lang="en-GB" smtClean="0"/>
               <a:pPr/>
-              <a:t>03/10/2022</a:t>
+              <a:t>17/02/2025</a:t>
             </a:fld>
             <a:endParaRPr lang="en-GB"/>
           </a:p>
@@ -2502,7 +2502,7 @@
             <a:fld id="{26EA1CF3-4A15-4CBF-9A5A-6A56C368BE71}" type="datetimeFigureOut">
               <a:rPr lang="en-GB" smtClean="0"/>
               <a:pPr/>
-              <a:t>03/10/2022</a:t>
+              <a:t>17/02/2025</a:t>
             </a:fld>
             <a:endParaRPr lang="en-GB"/>
           </a:p>
@@ -2715,7 +2715,7 @@
             <a:fld id="{26EA1CF3-4A15-4CBF-9A5A-6A56C368BE71}" type="datetimeFigureOut">
               <a:rPr lang="en-GB" smtClean="0"/>
               <a:pPr/>
-              <a:t>03/10/2022</a:t>
+              <a:t>17/02/2025</a:t>
             </a:fld>
             <a:endParaRPr lang="en-GB"/>
           </a:p>
@@ -3098,7 +3098,7 @@
         </p:nvSpPr>
         <p:spPr>
           <a:xfrm>
-            <a:off x="323528" y="188640"/>
+            <a:off x="0" y="908720"/>
             <a:ext cx="8640960" cy="6480720"/>
           </a:xfrm>
         </p:spPr>
@@ -3109,17 +3109,17 @@
           <a:lstStyle/>
           <a:p>
             <a:r>
-              <a:rPr lang="en-GB" sz="9600" dirty="0">
-                <a:solidFill>
-                  <a:schemeClr val="bg1"/>
-                </a:solidFill>
-              </a:rPr>
-              <a:t>This I believe</a:t>
-            </a:r>
-          </a:p>
-          <a:p>
-            <a:r>
-              <a:rPr lang="en-GB" sz="9600" dirty="0">
+              <a:rPr lang="en-GB" sz="6000" dirty="0">
+                <a:solidFill>
+                  <a:schemeClr val="bg1"/>
+                </a:solidFill>
+              </a:rPr>
+              <a:t>This I Believe</a:t>
+            </a:r>
+          </a:p>
+          <a:p>
+            <a:r>
+              <a:rPr lang="en-GB" sz="6000" dirty="0">
                 <a:solidFill>
                   <a:schemeClr val="bg1"/>
                 </a:solidFill>
@@ -3251,7 +3251,7 @@
         </p:nvSpPr>
         <p:spPr>
           <a:xfrm>
-            <a:off x="323528" y="188640"/>
+            <a:off x="203118" y="908720"/>
             <a:ext cx="8640960" cy="6480720"/>
           </a:xfrm>
         </p:spPr>
@@ -3262,7 +3262,7 @@
           <a:lstStyle/>
           <a:p>
             <a:r>
-              <a:rPr lang="en-GB" sz="5400" b="1" dirty="0">
+              <a:rPr lang="en-GB" sz="3600" b="1" dirty="0">
                 <a:solidFill>
                   <a:schemeClr val="bg1"/>
                 </a:solidFill>
@@ -3270,14 +3270,14 @@
               <a:t>Our Father everlasting</a:t>
             </a:r>
             <a:br>
-              <a:rPr lang="en-GB" sz="5400" dirty="0">
+              <a:rPr lang="en-GB" sz="3600" dirty="0">
                 <a:solidFill>
                   <a:schemeClr val="bg1"/>
                 </a:solidFill>
               </a:rPr>
             </a:br>
             <a:r>
-              <a:rPr lang="en-GB" sz="5400" dirty="0">
+              <a:rPr lang="en-GB" sz="3600" dirty="0">
                 <a:solidFill>
                   <a:schemeClr val="bg1"/>
                 </a:solidFill>
@@ -3285,14 +3285,14 @@
               <a:t>The all creating One</a:t>
             </a:r>
             <a:br>
-              <a:rPr lang="en-GB" sz="5400" dirty="0">
+              <a:rPr lang="en-GB" sz="3600" dirty="0">
                 <a:solidFill>
                   <a:schemeClr val="bg1"/>
                 </a:solidFill>
               </a:rPr>
             </a:br>
             <a:r>
-              <a:rPr lang="en-GB" sz="5400" dirty="0">
+              <a:rPr lang="en-GB" sz="3600" dirty="0">
                 <a:solidFill>
                   <a:schemeClr val="bg1"/>
                 </a:solidFill>
@@ -3302,7 +3302,7 @@
           </a:p>
           <a:p>
             <a:r>
-              <a:rPr lang="en-GB" sz="5400" dirty="0">
+              <a:rPr lang="en-GB" sz="3600" dirty="0">
                 <a:solidFill>
                   <a:schemeClr val="bg1"/>
                 </a:solidFill>
@@ -3310,14 +3310,14 @@
               <a:t>Through Your Holy Spirit</a:t>
             </a:r>
             <a:br>
-              <a:rPr lang="en-GB" sz="5400" dirty="0">
+              <a:rPr lang="en-GB" sz="3600" dirty="0">
                 <a:solidFill>
                   <a:schemeClr val="bg1"/>
                 </a:solidFill>
               </a:rPr>
             </a:br>
             <a:r>
-              <a:rPr lang="en-GB" sz="5400" dirty="0">
+              <a:rPr lang="en-GB" sz="3600" dirty="0">
                 <a:solidFill>
                   <a:schemeClr val="bg1"/>
                 </a:solidFill>
@@ -3325,14 +3325,14 @@
               <a:t>Conceiving Christ the Son</a:t>
             </a:r>
             <a:br>
-              <a:rPr lang="en-GB" sz="5400" dirty="0">
+              <a:rPr lang="en-GB" sz="3600" dirty="0">
                 <a:solidFill>
                   <a:schemeClr val="bg1"/>
                 </a:solidFill>
               </a:rPr>
             </a:br>
             <a:r>
-              <a:rPr lang="en-GB" sz="5400" dirty="0">
+              <a:rPr lang="en-GB" sz="3600" dirty="0">
                 <a:solidFill>
                   <a:schemeClr val="bg1"/>
                 </a:solidFill>
@@ -3412,18 +3412,18 @@
         </p:nvSpPr>
         <p:spPr>
           <a:xfrm>
-            <a:off x="323528" y="188640"/>
+            <a:off x="203118" y="692696"/>
             <a:ext cx="8640960" cy="6480720"/>
           </a:xfrm>
         </p:spPr>
         <p:txBody>
           <a:bodyPr>
-            <a:normAutofit fontScale="92500" lnSpcReduction="10000"/>
+            <a:normAutofit/>
           </a:bodyPr>
           <a:lstStyle/>
           <a:p>
             <a:r>
-              <a:rPr lang="en-GB" sz="5400" dirty="0">
+              <a:rPr lang="en-GB" sz="3600" dirty="0">
                 <a:solidFill>
                   <a:schemeClr val="bg1"/>
                 </a:solidFill>
@@ -3431,14 +3431,14 @@
               <a:t>I believe in God our Father</a:t>
             </a:r>
             <a:br>
-              <a:rPr lang="en-GB" sz="5400" dirty="0">
+              <a:rPr lang="en-GB" sz="3600" dirty="0">
                 <a:solidFill>
                   <a:schemeClr val="bg1"/>
                 </a:solidFill>
               </a:rPr>
             </a:br>
             <a:r>
-              <a:rPr lang="en-GB" sz="5400" dirty="0">
+              <a:rPr lang="en-GB" sz="3600" dirty="0">
                 <a:solidFill>
                   <a:schemeClr val="bg1"/>
                 </a:solidFill>
@@ -3446,14 +3446,14 @@
               <a:t>I believe in Christ the Son</a:t>
             </a:r>
             <a:br>
-              <a:rPr lang="en-GB" sz="5400" dirty="0">
+              <a:rPr lang="en-GB" sz="3600" dirty="0">
                 <a:solidFill>
                   <a:schemeClr val="bg1"/>
                 </a:solidFill>
               </a:rPr>
             </a:br>
             <a:r>
-              <a:rPr lang="en-GB" sz="5400" dirty="0">
+              <a:rPr lang="en-GB" sz="3600" dirty="0">
                 <a:solidFill>
                   <a:schemeClr val="bg1"/>
                 </a:solidFill>
@@ -3461,14 +3461,14 @@
               <a:t>I believe in the Holy Spirit</a:t>
             </a:r>
             <a:br>
-              <a:rPr lang="en-GB" sz="5400" dirty="0">
+              <a:rPr lang="en-GB" sz="3600" dirty="0">
                 <a:solidFill>
                   <a:schemeClr val="bg1"/>
                 </a:solidFill>
               </a:rPr>
             </a:br>
             <a:r>
-              <a:rPr lang="en-GB" sz="5400" dirty="0">
+              <a:rPr lang="en-GB" sz="3600" dirty="0">
                 <a:solidFill>
                   <a:schemeClr val="bg1"/>
                 </a:solidFill>
@@ -3476,14 +3476,14 @@
               <a:t>Our God is three in one</a:t>
             </a:r>
             <a:br>
-              <a:rPr lang="en-GB" sz="5400" dirty="0">
+              <a:rPr lang="en-GB" sz="3600" dirty="0">
                 <a:solidFill>
                   <a:schemeClr val="bg1"/>
                 </a:solidFill>
               </a:rPr>
             </a:br>
             <a:r>
-              <a:rPr lang="en-GB" sz="5400" dirty="0">
+              <a:rPr lang="en-GB" sz="3600" dirty="0">
                 <a:solidFill>
                   <a:schemeClr val="bg1"/>
                 </a:solidFill>
@@ -3491,14 +3491,14 @@
               <a:t>I believe in the resurrection</a:t>
             </a:r>
             <a:br>
-              <a:rPr lang="en-GB" sz="5400" dirty="0">
+              <a:rPr lang="en-GB" sz="3600" dirty="0">
                 <a:solidFill>
                   <a:schemeClr val="bg1"/>
                 </a:solidFill>
               </a:rPr>
             </a:br>
             <a:r>
-              <a:rPr lang="en-GB" sz="5400" dirty="0">
+              <a:rPr lang="en-GB" sz="3600" dirty="0">
                 <a:solidFill>
                   <a:schemeClr val="bg1"/>
                 </a:solidFill>
@@ -3506,21 +3506,21 @@
               <a:t>That we will rise again</a:t>
             </a:r>
             <a:br>
-              <a:rPr lang="en-GB" sz="5400" dirty="0">
+              <a:rPr lang="en-GB" sz="3600" dirty="0">
                 <a:solidFill>
                   <a:schemeClr val="bg1"/>
                 </a:solidFill>
               </a:rPr>
             </a:br>
             <a:br>
-              <a:rPr lang="en-GB" sz="5400" dirty="0">
+              <a:rPr lang="en-GB" sz="3600" dirty="0">
                 <a:solidFill>
                   <a:schemeClr val="bg1"/>
                 </a:solidFill>
               </a:rPr>
             </a:br>
             <a:r>
-              <a:rPr lang="en-GB" sz="5400" dirty="0">
+              <a:rPr lang="en-GB" sz="3600" dirty="0">
                 <a:solidFill>
                   <a:schemeClr val="bg1"/>
                 </a:solidFill>
@@ -3530,7 +3530,7 @@
           </a:p>
           <a:p>
             <a:pPr algn="l"/>
-            <a:endParaRPr lang="en-GB" dirty="0">
+            <a:endParaRPr lang="en-GB" sz="3600" dirty="0">
               <a:solidFill>
                 <a:schemeClr val="bg1"/>
               </a:solidFill>
@@ -3608,7 +3608,7 @@
         </p:nvSpPr>
         <p:spPr>
           <a:xfrm>
-            <a:off x="323528" y="188640"/>
+            <a:off x="203118" y="764704"/>
             <a:ext cx="8640960" cy="6480720"/>
           </a:xfrm>
         </p:spPr>
@@ -3619,7 +3619,7 @@
           <a:lstStyle/>
           <a:p>
             <a:r>
-              <a:rPr lang="en-GB" sz="5400" dirty="0">
+              <a:rPr lang="en-GB" sz="3600" dirty="0">
                 <a:solidFill>
                   <a:schemeClr val="bg1"/>
                 </a:solidFill>
@@ -3627,14 +3627,14 @@
               <a:t>Our Judge and our Defender</a:t>
             </a:r>
             <a:br>
-              <a:rPr lang="en-GB" sz="5400" dirty="0">
+              <a:rPr lang="en-GB" sz="3600" dirty="0">
                 <a:solidFill>
                   <a:schemeClr val="bg1"/>
                 </a:solidFill>
               </a:rPr>
             </a:br>
             <a:r>
-              <a:rPr lang="en-GB" sz="5400" dirty="0">
+              <a:rPr lang="en-GB" sz="3600" dirty="0">
                 <a:solidFill>
                   <a:schemeClr val="bg1"/>
                 </a:solidFill>
@@ -3642,14 +3642,14 @@
               <a:t>Suffered and crucified</a:t>
             </a:r>
             <a:br>
-              <a:rPr lang="en-GB" sz="5400" dirty="0">
+              <a:rPr lang="en-GB" sz="3600" dirty="0">
                 <a:solidFill>
                   <a:schemeClr val="bg1"/>
                 </a:solidFill>
               </a:rPr>
             </a:br>
             <a:r>
-              <a:rPr lang="en-GB" sz="5400" dirty="0">
+              <a:rPr lang="en-GB" sz="3600" dirty="0">
                 <a:solidFill>
                   <a:schemeClr val="bg1"/>
                 </a:solidFill>
@@ -3659,7 +3659,7 @@
           </a:p>
           <a:p>
             <a:r>
-              <a:rPr lang="en-GB" sz="5400" dirty="0">
+              <a:rPr lang="en-GB" sz="3600" dirty="0">
                 <a:solidFill>
                   <a:schemeClr val="bg1"/>
                 </a:solidFill>
@@ -3667,14 +3667,14 @@
               <a:t>Descended into darkness</a:t>
             </a:r>
             <a:br>
-              <a:rPr lang="en-GB" sz="5400" dirty="0">
+              <a:rPr lang="en-GB" sz="3600" dirty="0">
                 <a:solidFill>
                   <a:schemeClr val="bg1"/>
                 </a:solidFill>
               </a:rPr>
             </a:br>
             <a:r>
-              <a:rPr lang="en-GB" sz="5400" dirty="0">
+              <a:rPr lang="en-GB" sz="3600" dirty="0">
                 <a:solidFill>
                   <a:schemeClr val="bg1"/>
                 </a:solidFill>
@@ -3682,14 +3682,14 @@
               <a:t>You rose in glorious life</a:t>
             </a:r>
             <a:br>
-              <a:rPr lang="en-GB" sz="5400" dirty="0">
+              <a:rPr lang="en-GB" sz="3600" dirty="0">
                 <a:solidFill>
                   <a:schemeClr val="bg1"/>
                 </a:solidFill>
               </a:rPr>
             </a:br>
             <a:r>
-              <a:rPr lang="en-GB" sz="5400" dirty="0">
+              <a:rPr lang="en-GB" sz="3600" dirty="0">
                 <a:solidFill>
                   <a:schemeClr val="bg1"/>
                 </a:solidFill>
@@ -3769,18 +3769,18 @@
         </p:nvSpPr>
         <p:spPr>
           <a:xfrm>
-            <a:off x="323528" y="188640"/>
+            <a:off x="251520" y="692696"/>
             <a:ext cx="8640960" cy="6480720"/>
           </a:xfrm>
         </p:spPr>
         <p:txBody>
           <a:bodyPr>
-            <a:normAutofit fontScale="92500" lnSpcReduction="10000"/>
+            <a:normAutofit/>
           </a:bodyPr>
           <a:lstStyle/>
           <a:p>
             <a:r>
-              <a:rPr lang="en-GB" sz="5400" dirty="0">
+              <a:rPr lang="en-GB" sz="3600" dirty="0">
                 <a:solidFill>
                   <a:schemeClr val="bg1"/>
                 </a:solidFill>
@@ -3788,14 +3788,14 @@
               <a:t>I believe in God our Father</a:t>
             </a:r>
             <a:br>
-              <a:rPr lang="en-GB" sz="5400" dirty="0">
+              <a:rPr lang="en-GB" sz="3600" dirty="0">
                 <a:solidFill>
                   <a:schemeClr val="bg1"/>
                 </a:solidFill>
               </a:rPr>
             </a:br>
             <a:r>
-              <a:rPr lang="en-GB" sz="5400" dirty="0">
+              <a:rPr lang="en-GB" sz="3600" dirty="0">
                 <a:solidFill>
                   <a:schemeClr val="bg1"/>
                 </a:solidFill>
@@ -3803,14 +3803,14 @@
               <a:t>I believe in Christ the Son</a:t>
             </a:r>
             <a:br>
-              <a:rPr lang="en-GB" sz="5400" dirty="0">
+              <a:rPr lang="en-GB" sz="3600" dirty="0">
                 <a:solidFill>
                   <a:schemeClr val="bg1"/>
                 </a:solidFill>
               </a:rPr>
             </a:br>
             <a:r>
-              <a:rPr lang="en-GB" sz="5400" dirty="0">
+              <a:rPr lang="en-GB" sz="3600" dirty="0">
                 <a:solidFill>
                   <a:schemeClr val="bg1"/>
                 </a:solidFill>
@@ -3818,14 +3818,14 @@
               <a:t>I believe in the Holy Spirit</a:t>
             </a:r>
             <a:br>
-              <a:rPr lang="en-GB" sz="5400" dirty="0">
+              <a:rPr lang="en-GB" sz="3600" dirty="0">
                 <a:solidFill>
                   <a:schemeClr val="bg1"/>
                 </a:solidFill>
               </a:rPr>
             </a:br>
             <a:r>
-              <a:rPr lang="en-GB" sz="5400" dirty="0">
+              <a:rPr lang="en-GB" sz="3600" dirty="0">
                 <a:solidFill>
                   <a:schemeClr val="bg1"/>
                 </a:solidFill>
@@ -3833,14 +3833,14 @@
               <a:t>Our God is three in one</a:t>
             </a:r>
             <a:br>
-              <a:rPr lang="en-GB" sz="5400" dirty="0">
+              <a:rPr lang="en-GB" sz="3600" dirty="0">
                 <a:solidFill>
                   <a:schemeClr val="bg1"/>
                 </a:solidFill>
               </a:rPr>
             </a:br>
             <a:r>
-              <a:rPr lang="en-GB" sz="5400" dirty="0">
+              <a:rPr lang="en-GB" sz="3600" dirty="0">
                 <a:solidFill>
                   <a:schemeClr val="bg1"/>
                 </a:solidFill>
@@ -3848,14 +3848,14 @@
               <a:t>I believe in the resurrection</a:t>
             </a:r>
             <a:br>
-              <a:rPr lang="en-GB" sz="5400" dirty="0">
+              <a:rPr lang="en-GB" sz="3600" dirty="0">
                 <a:solidFill>
                   <a:schemeClr val="bg1"/>
                 </a:solidFill>
               </a:rPr>
             </a:br>
             <a:r>
-              <a:rPr lang="en-GB" sz="5400" dirty="0">
+              <a:rPr lang="en-GB" sz="3600" dirty="0">
                 <a:solidFill>
                   <a:schemeClr val="bg1"/>
                 </a:solidFill>
@@ -3863,21 +3863,21 @@
               <a:t>That we will rise again</a:t>
             </a:r>
             <a:br>
-              <a:rPr lang="en-GB" sz="5400" dirty="0">
+              <a:rPr lang="en-GB" sz="3600" dirty="0">
                 <a:solidFill>
                   <a:schemeClr val="bg1"/>
                 </a:solidFill>
               </a:rPr>
             </a:br>
             <a:br>
-              <a:rPr lang="en-GB" sz="5400" dirty="0">
+              <a:rPr lang="en-GB" sz="3600" dirty="0">
                 <a:solidFill>
                   <a:schemeClr val="bg1"/>
                 </a:solidFill>
               </a:rPr>
             </a:br>
             <a:r>
-              <a:rPr lang="en-GB" sz="5400" dirty="0">
+              <a:rPr lang="en-GB" sz="3600" dirty="0">
                 <a:solidFill>
                   <a:schemeClr val="bg1"/>
                 </a:solidFill>
@@ -3887,7 +3887,7 @@
           </a:p>
           <a:p>
             <a:pPr algn="l"/>
-            <a:endParaRPr lang="en-GB" dirty="0">
+            <a:endParaRPr lang="en-GB" sz="3600" dirty="0">
               <a:solidFill>
                 <a:schemeClr val="bg1"/>
               </a:solidFill>
@@ -3965,7 +3965,7 @@
         </p:nvSpPr>
         <p:spPr>
           <a:xfrm>
-            <a:off x="323528" y="188640"/>
+            <a:off x="203118" y="764704"/>
             <a:ext cx="8640960" cy="6480720"/>
           </a:xfrm>
         </p:spPr>
@@ -3976,7 +3976,7 @@
           <a:lstStyle/>
           <a:p>
             <a:r>
-              <a:rPr lang="en-GB" sz="5400" dirty="0">
+              <a:rPr lang="en-GB" sz="3600" dirty="0">
                 <a:solidFill>
                   <a:schemeClr val="bg1"/>
                 </a:solidFill>
@@ -3984,14 +3984,14 @@
               <a:t>I believe in You</a:t>
             </a:r>
             <a:br>
-              <a:rPr lang="en-GB" sz="5400" dirty="0">
+              <a:rPr lang="en-GB" sz="3600" dirty="0">
                 <a:solidFill>
                   <a:schemeClr val="bg1"/>
                 </a:solidFill>
               </a:rPr>
             </a:br>
             <a:r>
-              <a:rPr lang="en-GB" sz="5400" dirty="0">
+              <a:rPr lang="en-GB" sz="3600" dirty="0">
                 <a:solidFill>
                   <a:schemeClr val="bg1"/>
                 </a:solidFill>
@@ -3999,14 +3999,14 @@
               <a:t>I believe You rose again</a:t>
             </a:r>
             <a:br>
-              <a:rPr lang="en-GB" sz="5400" dirty="0">
+              <a:rPr lang="en-GB" sz="3600" dirty="0">
                 <a:solidFill>
                   <a:schemeClr val="bg1"/>
                 </a:solidFill>
               </a:rPr>
             </a:br>
             <a:r>
-              <a:rPr lang="en-GB" sz="5400" dirty="0">
+              <a:rPr lang="en-GB" sz="3600" dirty="0">
                 <a:solidFill>
                   <a:schemeClr val="bg1"/>
                 </a:solidFill>
@@ -4014,13 +4014,13 @@
               <a:t>I believe that Jesus Christ is Lord </a:t>
             </a:r>
             <a:br>
-              <a:rPr lang="en-GB" dirty="0">
+              <a:rPr lang="en-GB" sz="3600" dirty="0">
                 <a:solidFill>
                   <a:schemeClr val="bg1"/>
                 </a:solidFill>
               </a:rPr>
             </a:br>
-            <a:endParaRPr lang="en-GB" dirty="0">
+            <a:endParaRPr lang="en-GB" sz="3600" dirty="0">
               <a:solidFill>
                 <a:schemeClr val="bg1"/>
               </a:solidFill>
@@ -4098,18 +4098,18 @@
         </p:nvSpPr>
         <p:spPr>
           <a:xfrm>
-            <a:off x="323528" y="188640"/>
+            <a:off x="203118" y="764704"/>
             <a:ext cx="8640960" cy="6480720"/>
           </a:xfrm>
         </p:spPr>
         <p:txBody>
           <a:bodyPr>
-            <a:normAutofit fontScale="92500" lnSpcReduction="10000"/>
+            <a:normAutofit/>
           </a:bodyPr>
           <a:lstStyle/>
           <a:p>
             <a:r>
-              <a:rPr lang="en-GB" sz="5400" dirty="0">
+              <a:rPr lang="en-GB" sz="3600" dirty="0">
                 <a:solidFill>
                   <a:schemeClr val="bg1"/>
                 </a:solidFill>
@@ -4117,14 +4117,14 @@
               <a:t>I believe in God our Father</a:t>
             </a:r>
             <a:br>
-              <a:rPr lang="en-GB" sz="5400" dirty="0">
+              <a:rPr lang="en-GB" sz="3600" dirty="0">
                 <a:solidFill>
                   <a:schemeClr val="bg1"/>
                 </a:solidFill>
               </a:rPr>
             </a:br>
             <a:r>
-              <a:rPr lang="en-GB" sz="5400" dirty="0">
+              <a:rPr lang="en-GB" sz="3600" dirty="0">
                 <a:solidFill>
                   <a:schemeClr val="bg1"/>
                 </a:solidFill>
@@ -4132,14 +4132,14 @@
               <a:t>I believe in Christ the Son</a:t>
             </a:r>
             <a:br>
-              <a:rPr lang="en-GB" sz="5400" dirty="0">
+              <a:rPr lang="en-GB" sz="3600" dirty="0">
                 <a:solidFill>
                   <a:schemeClr val="bg1"/>
                 </a:solidFill>
               </a:rPr>
             </a:br>
             <a:r>
-              <a:rPr lang="en-GB" sz="5400" dirty="0">
+              <a:rPr lang="en-GB" sz="3600" dirty="0">
                 <a:solidFill>
                   <a:schemeClr val="bg1"/>
                 </a:solidFill>
@@ -4147,14 +4147,14 @@
               <a:t>I believe in the Holy Spirit</a:t>
             </a:r>
             <a:br>
-              <a:rPr lang="en-GB" sz="5400" dirty="0">
+              <a:rPr lang="en-GB" sz="3600" dirty="0">
                 <a:solidFill>
                   <a:schemeClr val="bg1"/>
                 </a:solidFill>
               </a:rPr>
             </a:br>
             <a:r>
-              <a:rPr lang="en-GB" sz="5400" dirty="0">
+              <a:rPr lang="en-GB" sz="3600" dirty="0">
                 <a:solidFill>
                   <a:schemeClr val="bg1"/>
                 </a:solidFill>
@@ -4162,14 +4162,14 @@
               <a:t>Our God is three in one</a:t>
             </a:r>
             <a:br>
-              <a:rPr lang="en-GB" sz="5400" dirty="0">
+              <a:rPr lang="en-GB" sz="3600" dirty="0">
                 <a:solidFill>
                   <a:schemeClr val="bg1"/>
                 </a:solidFill>
               </a:rPr>
             </a:br>
             <a:r>
-              <a:rPr lang="en-GB" sz="5400" dirty="0">
+              <a:rPr lang="en-GB" sz="3600" dirty="0">
                 <a:solidFill>
                   <a:schemeClr val="bg1"/>
                 </a:solidFill>
@@ -4177,14 +4177,14 @@
               <a:t>I believe in the resurrection</a:t>
             </a:r>
             <a:br>
-              <a:rPr lang="en-GB" sz="5400" dirty="0">
+              <a:rPr lang="en-GB" sz="3600" dirty="0">
                 <a:solidFill>
                   <a:schemeClr val="bg1"/>
                 </a:solidFill>
               </a:rPr>
             </a:br>
             <a:r>
-              <a:rPr lang="en-GB" sz="5400" dirty="0">
+              <a:rPr lang="en-GB" sz="3600" dirty="0">
                 <a:solidFill>
                   <a:schemeClr val="bg1"/>
                 </a:solidFill>
@@ -4192,21 +4192,21 @@
               <a:t>That we will rise again</a:t>
             </a:r>
             <a:br>
-              <a:rPr lang="en-GB" sz="5400" dirty="0">
+              <a:rPr lang="en-GB" sz="3600" dirty="0">
                 <a:solidFill>
                   <a:schemeClr val="bg1"/>
                 </a:solidFill>
               </a:rPr>
             </a:br>
             <a:br>
-              <a:rPr lang="en-GB" sz="5400" dirty="0">
+              <a:rPr lang="en-GB" sz="3600" dirty="0">
                 <a:solidFill>
                   <a:schemeClr val="bg1"/>
                 </a:solidFill>
               </a:rPr>
             </a:br>
             <a:r>
-              <a:rPr lang="en-GB" sz="5400" dirty="0">
+              <a:rPr lang="en-GB" sz="3600" dirty="0">
                 <a:solidFill>
                   <a:schemeClr val="bg1"/>
                 </a:solidFill>
@@ -4216,7 +4216,7 @@
           </a:p>
           <a:p>
             <a:pPr algn="l"/>
-            <a:endParaRPr lang="en-GB" dirty="0">
+            <a:endParaRPr lang="en-GB" sz="3600" dirty="0">
               <a:solidFill>
                 <a:schemeClr val="bg1"/>
               </a:solidFill>
@@ -4294,7 +4294,7 @@
         </p:nvSpPr>
         <p:spPr>
           <a:xfrm>
-            <a:off x="323528" y="188640"/>
+            <a:off x="107504" y="836712"/>
             <a:ext cx="8640960" cy="6480720"/>
           </a:xfrm>
         </p:spPr>
@@ -4305,7 +4305,7 @@
           <a:lstStyle/>
           <a:p>
             <a:r>
-              <a:rPr lang="en-GB" sz="4800" dirty="0">
+              <a:rPr lang="en-GB" sz="3600" dirty="0">
                 <a:solidFill>
                   <a:schemeClr val="bg1"/>
                 </a:solidFill>
@@ -4313,14 +4313,14 @@
               <a:t>I believe in life eternal</a:t>
             </a:r>
             <a:br>
-              <a:rPr lang="en-GB" sz="4800" dirty="0">
+              <a:rPr lang="en-GB" sz="3600" dirty="0">
                 <a:solidFill>
                   <a:schemeClr val="bg1"/>
                 </a:solidFill>
               </a:rPr>
             </a:br>
             <a:r>
-              <a:rPr lang="en-GB" sz="4800" dirty="0">
+              <a:rPr lang="en-GB" sz="3600" dirty="0">
                 <a:solidFill>
                   <a:schemeClr val="bg1"/>
                 </a:solidFill>
@@ -4328,14 +4328,14 @@
               <a:t>I believe in the virgin birth</a:t>
             </a:r>
             <a:br>
-              <a:rPr lang="en-GB" sz="4800" dirty="0">
+              <a:rPr lang="en-GB" sz="3600" dirty="0">
                 <a:solidFill>
                   <a:schemeClr val="bg1"/>
                 </a:solidFill>
               </a:rPr>
             </a:br>
             <a:r>
-              <a:rPr lang="en-GB" sz="4800" dirty="0">
+              <a:rPr lang="en-GB" sz="3600" dirty="0">
                 <a:solidFill>
                   <a:schemeClr val="bg1"/>
                 </a:solidFill>
@@ -4343,14 +4343,14 @@
               <a:t>I believe in the saints' communion</a:t>
             </a:r>
             <a:br>
-              <a:rPr lang="en-GB" sz="4800" dirty="0">
+              <a:rPr lang="en-GB" sz="3600" dirty="0">
                 <a:solidFill>
                   <a:schemeClr val="bg1"/>
                 </a:solidFill>
               </a:rPr>
             </a:br>
             <a:r>
-              <a:rPr lang="en-GB" sz="4800" dirty="0">
+              <a:rPr lang="en-GB" sz="3600" dirty="0">
                 <a:solidFill>
                   <a:schemeClr val="bg1"/>
                 </a:solidFill>
@@ -4358,14 +4358,14 @@
               <a:t>And in Your holy Church</a:t>
             </a:r>
             <a:br>
-              <a:rPr lang="en-GB" sz="4800" dirty="0">
+              <a:rPr lang="en-GB" sz="3600" dirty="0">
                 <a:solidFill>
                   <a:schemeClr val="bg1"/>
                 </a:solidFill>
               </a:rPr>
             </a:br>
             <a:r>
-              <a:rPr lang="en-GB" sz="4800" dirty="0">
+              <a:rPr lang="en-GB" sz="3600" dirty="0">
                 <a:solidFill>
                   <a:schemeClr val="bg1"/>
                 </a:solidFill>
@@ -4373,14 +4373,14 @@
               <a:t>I believe in the resurrection</a:t>
             </a:r>
             <a:br>
-              <a:rPr lang="en-GB" sz="4800" dirty="0">
+              <a:rPr lang="en-GB" sz="3600" dirty="0">
                 <a:solidFill>
                   <a:schemeClr val="bg1"/>
                 </a:solidFill>
               </a:rPr>
             </a:br>
             <a:r>
-              <a:rPr lang="en-GB" sz="4800" dirty="0">
+              <a:rPr lang="en-GB" sz="3600" dirty="0">
                 <a:solidFill>
                   <a:schemeClr val="bg1"/>
                 </a:solidFill>
@@ -4388,21 +4388,21 @@
               <a:t>When Jesus comes again</a:t>
             </a:r>
             <a:br>
-              <a:rPr lang="en-GB" sz="4800" dirty="0">
+              <a:rPr lang="en-GB" sz="3600" dirty="0">
                 <a:solidFill>
                   <a:schemeClr val="bg1"/>
                 </a:solidFill>
               </a:rPr>
             </a:br>
             <a:br>
-              <a:rPr lang="en-GB" sz="4800" dirty="0">
+              <a:rPr lang="en-GB" sz="3600" dirty="0">
                 <a:solidFill>
                   <a:schemeClr val="bg1"/>
                 </a:solidFill>
               </a:rPr>
             </a:br>
             <a:r>
-              <a:rPr lang="en-GB" sz="4800" dirty="0">
+              <a:rPr lang="en-GB" sz="3600" dirty="0">
                 <a:solidFill>
                   <a:schemeClr val="bg1"/>
                 </a:solidFill>
@@ -4482,18 +4482,18 @@
         </p:nvSpPr>
         <p:spPr>
           <a:xfrm>
-            <a:off x="323528" y="188640"/>
+            <a:off x="107504" y="764704"/>
             <a:ext cx="8640960" cy="6480720"/>
           </a:xfrm>
         </p:spPr>
         <p:txBody>
           <a:bodyPr>
-            <a:normAutofit fontScale="92500" lnSpcReduction="10000"/>
+            <a:normAutofit/>
           </a:bodyPr>
           <a:lstStyle/>
           <a:p>
             <a:r>
-              <a:rPr lang="en-GB" sz="5400" dirty="0">
+              <a:rPr lang="en-GB" sz="3600" dirty="0">
                 <a:solidFill>
                   <a:schemeClr val="bg1"/>
                 </a:solidFill>
@@ -4501,14 +4501,14 @@
               <a:t>I believe in God our Father</a:t>
             </a:r>
             <a:br>
-              <a:rPr lang="en-GB" sz="5400" dirty="0">
+              <a:rPr lang="en-GB" sz="3600" dirty="0">
                 <a:solidFill>
                   <a:schemeClr val="bg1"/>
                 </a:solidFill>
               </a:rPr>
             </a:br>
             <a:r>
-              <a:rPr lang="en-GB" sz="5400" dirty="0">
+              <a:rPr lang="en-GB" sz="3600" dirty="0">
                 <a:solidFill>
                   <a:schemeClr val="bg1"/>
                 </a:solidFill>
@@ -4516,14 +4516,14 @@
               <a:t>I believe in Christ the Son</a:t>
             </a:r>
             <a:br>
-              <a:rPr lang="en-GB" sz="5400" dirty="0">
+              <a:rPr lang="en-GB" sz="3600" dirty="0">
                 <a:solidFill>
                   <a:schemeClr val="bg1"/>
                 </a:solidFill>
               </a:rPr>
             </a:br>
             <a:r>
-              <a:rPr lang="en-GB" sz="5400" dirty="0">
+              <a:rPr lang="en-GB" sz="3600" dirty="0">
                 <a:solidFill>
                   <a:schemeClr val="bg1"/>
                 </a:solidFill>
@@ -4531,14 +4531,14 @@
               <a:t>I believe in the Holy Spirit</a:t>
             </a:r>
             <a:br>
-              <a:rPr lang="en-GB" sz="5400" dirty="0">
+              <a:rPr lang="en-GB" sz="3600" dirty="0">
                 <a:solidFill>
                   <a:schemeClr val="bg1"/>
                 </a:solidFill>
               </a:rPr>
             </a:br>
             <a:r>
-              <a:rPr lang="en-GB" sz="5400" dirty="0">
+              <a:rPr lang="en-GB" sz="3600" dirty="0">
                 <a:solidFill>
                   <a:schemeClr val="bg1"/>
                 </a:solidFill>
@@ -4546,14 +4546,14 @@
               <a:t>Our God is three in one</a:t>
             </a:r>
             <a:br>
-              <a:rPr lang="en-GB" sz="5400" dirty="0">
+              <a:rPr lang="en-GB" sz="3600" dirty="0">
                 <a:solidFill>
                   <a:schemeClr val="bg1"/>
                 </a:solidFill>
               </a:rPr>
             </a:br>
             <a:r>
-              <a:rPr lang="en-GB" sz="5400" dirty="0">
+              <a:rPr lang="en-GB" sz="3600" dirty="0">
                 <a:solidFill>
                   <a:schemeClr val="bg1"/>
                 </a:solidFill>
@@ -4561,14 +4561,14 @@
               <a:t>I believe in the resurrection</a:t>
             </a:r>
             <a:br>
-              <a:rPr lang="en-GB" sz="5400" dirty="0">
+              <a:rPr lang="en-GB" sz="3600" dirty="0">
                 <a:solidFill>
                   <a:schemeClr val="bg1"/>
                 </a:solidFill>
               </a:rPr>
             </a:br>
             <a:r>
-              <a:rPr lang="en-GB" sz="5400" dirty="0">
+              <a:rPr lang="en-GB" sz="3600" dirty="0">
                 <a:solidFill>
                   <a:schemeClr val="bg1"/>
                 </a:solidFill>
@@ -4576,21 +4576,21 @@
               <a:t>That we will rise again</a:t>
             </a:r>
             <a:br>
-              <a:rPr lang="en-GB" sz="5400" dirty="0">
+              <a:rPr lang="en-GB" sz="3600" dirty="0">
                 <a:solidFill>
                   <a:schemeClr val="bg1"/>
                 </a:solidFill>
               </a:rPr>
             </a:br>
             <a:br>
-              <a:rPr lang="en-GB" sz="5400" dirty="0">
+              <a:rPr lang="en-GB" sz="3600" dirty="0">
                 <a:solidFill>
                   <a:schemeClr val="bg1"/>
                 </a:solidFill>
               </a:rPr>
             </a:br>
             <a:r>
-              <a:rPr lang="en-GB" sz="5400" dirty="0">
+              <a:rPr lang="en-GB" sz="3600" dirty="0">
                 <a:solidFill>
                   <a:schemeClr val="bg1"/>
                 </a:solidFill>
@@ -4600,7 +4600,7 @@
           </a:p>
           <a:p>
             <a:pPr algn="l"/>
-            <a:endParaRPr lang="en-GB" dirty="0">
+            <a:endParaRPr lang="en-GB" sz="3600" dirty="0">
               <a:solidFill>
                 <a:schemeClr val="bg1"/>
               </a:solidFill>
